--- a/trunk/documents/thesis/TQLBO-paper/marco teorico/sculpt_brush.pptx
+++ b/trunk/documents/thesis/TQLBO-paper/marco teorico/sculpt_brush.pptx
@@ -288,7 +288,7 @@
           <a:p>
             <a:fld id="{6552261F-D0A4-4B36-B27C-4DAADF3EC25B}" type="datetimeFigureOut">
               <a:rPr lang="es-CO" smtClean="0"/>
-              <a:t>17/12/2012</a:t>
+              <a:t>03/01/2013</a:t>
             </a:fld>
             <a:endParaRPr lang="es-CO"/>
           </a:p>
@@ -458,7 +458,7 @@
           <a:p>
             <a:fld id="{6552261F-D0A4-4B36-B27C-4DAADF3EC25B}" type="datetimeFigureOut">
               <a:rPr lang="es-CO" smtClean="0"/>
-              <a:t>17/12/2012</a:t>
+              <a:t>03/01/2013</a:t>
             </a:fld>
             <a:endParaRPr lang="es-CO"/>
           </a:p>
@@ -638,7 +638,7 @@
           <a:p>
             <a:fld id="{6552261F-D0A4-4B36-B27C-4DAADF3EC25B}" type="datetimeFigureOut">
               <a:rPr lang="es-CO" smtClean="0"/>
-              <a:t>17/12/2012</a:t>
+              <a:t>03/01/2013</a:t>
             </a:fld>
             <a:endParaRPr lang="es-CO"/>
           </a:p>
@@ -808,7 +808,7 @@
           <a:p>
             <a:fld id="{6552261F-D0A4-4B36-B27C-4DAADF3EC25B}" type="datetimeFigureOut">
               <a:rPr lang="es-CO" smtClean="0"/>
-              <a:t>17/12/2012</a:t>
+              <a:t>03/01/2013</a:t>
             </a:fld>
             <a:endParaRPr lang="es-CO"/>
           </a:p>
@@ -1054,7 +1054,7 @@
           <a:p>
             <a:fld id="{6552261F-D0A4-4B36-B27C-4DAADF3EC25B}" type="datetimeFigureOut">
               <a:rPr lang="es-CO" smtClean="0"/>
-              <a:t>17/12/2012</a:t>
+              <a:t>03/01/2013</a:t>
             </a:fld>
             <a:endParaRPr lang="es-CO"/>
           </a:p>
@@ -1342,7 +1342,7 @@
           <a:p>
             <a:fld id="{6552261F-D0A4-4B36-B27C-4DAADF3EC25B}" type="datetimeFigureOut">
               <a:rPr lang="es-CO" smtClean="0"/>
-              <a:t>17/12/2012</a:t>
+              <a:t>03/01/2013</a:t>
             </a:fld>
             <a:endParaRPr lang="es-CO"/>
           </a:p>
@@ -1769,7 +1769,7 @@
           <a:p>
             <a:fld id="{6552261F-D0A4-4B36-B27C-4DAADF3EC25B}" type="datetimeFigureOut">
               <a:rPr lang="es-CO" smtClean="0"/>
-              <a:t>17/12/2012</a:t>
+              <a:t>03/01/2013</a:t>
             </a:fld>
             <a:endParaRPr lang="es-CO"/>
           </a:p>
@@ -1887,7 +1887,7 @@
           <a:p>
             <a:fld id="{6552261F-D0A4-4B36-B27C-4DAADF3EC25B}" type="datetimeFigureOut">
               <a:rPr lang="es-CO" smtClean="0"/>
-              <a:t>17/12/2012</a:t>
+              <a:t>03/01/2013</a:t>
             </a:fld>
             <a:endParaRPr lang="es-CO"/>
           </a:p>
@@ -1982,7 +1982,7 @@
           <a:p>
             <a:fld id="{6552261F-D0A4-4B36-B27C-4DAADF3EC25B}" type="datetimeFigureOut">
               <a:rPr lang="es-CO" smtClean="0"/>
-              <a:t>17/12/2012</a:t>
+              <a:t>03/01/2013</a:t>
             </a:fld>
             <a:endParaRPr lang="es-CO"/>
           </a:p>
@@ -2259,7 +2259,7 @@
           <a:p>
             <a:fld id="{6552261F-D0A4-4B36-B27C-4DAADF3EC25B}" type="datetimeFigureOut">
               <a:rPr lang="es-CO" smtClean="0"/>
-              <a:t>17/12/2012</a:t>
+              <a:t>03/01/2013</a:t>
             </a:fld>
             <a:endParaRPr lang="es-CO"/>
           </a:p>
@@ -2512,7 +2512,7 @@
           <a:p>
             <a:fld id="{6552261F-D0A4-4B36-B27C-4DAADF3EC25B}" type="datetimeFigureOut">
               <a:rPr lang="es-CO" smtClean="0"/>
-              <a:t>17/12/2012</a:t>
+              <a:t>03/01/2013</a:t>
             </a:fld>
             <a:endParaRPr lang="es-CO"/>
           </a:p>
@@ -2725,7 +2725,7 @@
           <a:p>
             <a:fld id="{6552261F-D0A4-4B36-B27C-4DAADF3EC25B}" type="datetimeFigureOut">
               <a:rPr lang="es-CO" smtClean="0"/>
-              <a:t>17/12/2012</a:t>
+              <a:t>03/01/2013</a:t>
             </a:fld>
             <a:endParaRPr lang="es-CO"/>
           </a:p>
@@ -3263,11 +3263,7 @@
           <a:prstGeom prst="ellipse">
             <a:avLst/>
           </a:prstGeom>
-          <a:solidFill>
-            <a:srgbClr val="FF0000">
-              <a:alpha val="10000"/>
-            </a:srgbClr>
-          </a:solidFill>
+          <a:noFill/>
           <a:ln>
             <a:solidFill>
               <a:srgbClr val="FF0000"/>
@@ -3313,11 +3309,7 @@
           <a:prstGeom prst="ellipse">
             <a:avLst/>
           </a:prstGeom>
-          <a:solidFill>
-            <a:schemeClr val="accent1">
-              <a:alpha val="10000"/>
-            </a:schemeClr>
-          </a:solidFill>
+          <a:noFill/>
           <a:ln>
             <a:solidFill>
               <a:schemeClr val="accent1"/>
@@ -3363,11 +3355,7 @@
           <a:prstGeom prst="ellipse">
             <a:avLst/>
           </a:prstGeom>
-          <a:solidFill>
-            <a:schemeClr val="accent1">
-              <a:alpha val="10000"/>
-            </a:schemeClr>
-          </a:solidFill>
+          <a:noFill/>
           <a:ln>
             <a:solidFill>
               <a:schemeClr val="accent1"/>
@@ -3413,11 +3401,7 @@
           <a:prstGeom prst="ellipse">
             <a:avLst/>
           </a:prstGeom>
-          <a:solidFill>
-            <a:srgbClr val="FF0000">
-              <a:alpha val="10000"/>
-            </a:srgbClr>
-          </a:solidFill>
+          <a:noFill/>
           <a:ln>
             <a:solidFill>
               <a:srgbClr val="FF0000"/>
